--- a/W5D2/Generalized linear models and logistic regression.pptx
+++ b/W5D2/Generalized linear models and logistic regression.pptx
@@ -11,7 +11,10 @@
     <p:sldId id="259" r:id="rId5"/>
     <p:sldId id="260" r:id="rId6"/>
     <p:sldId id="261" r:id="rId7"/>
-    <p:sldId id="262" r:id="rId8"/>
+    <p:sldId id="263" r:id="rId8"/>
+    <p:sldId id="264" r:id="rId9"/>
+    <p:sldId id="265" r:id="rId10"/>
+    <p:sldId id="262" r:id="rId11"/>
   </p:sldIdLst>
   <p:sldSz cx="12192000" cy="6858000"/>
   <p:notesSz cx="6858000" cy="9144000"/>
@@ -289,7 +292,7 @@
           <a:p>
             <a:fld id="{48A87A34-81AB-432B-8DAE-1953F412C126}" type="datetimeFigureOut">
               <a:rPr lang="en-US" dirty="0"/>
-              <a:t>10/12/2020</a:t>
+              <a:t>2/1/2021</a:t>
             </a:fld>
             <a:endParaRPr lang="en-US" dirty="0"/>
           </a:p>
@@ -596,7 +599,7 @@
           <a:p>
             <a:fld id="{48A87A34-81AB-432B-8DAE-1953F412C126}" type="datetimeFigureOut">
               <a:rPr lang="en-US" dirty="0"/>
-              <a:t>10/12/2020</a:t>
+              <a:t>2/1/2021</a:t>
             </a:fld>
             <a:endParaRPr lang="en-US" dirty="0"/>
           </a:p>
@@ -813,7 +816,7 @@
           <a:p>
             <a:fld id="{48A87A34-81AB-432B-8DAE-1953F412C126}" type="datetimeFigureOut">
               <a:rPr lang="en-US" dirty="0"/>
-              <a:t>10/12/2020</a:t>
+              <a:t>2/1/2021</a:t>
             </a:fld>
             <a:endParaRPr lang="en-US" dirty="0"/>
           </a:p>
@@ -1099,7 +1102,7 @@
           <a:p>
             <a:fld id="{48A87A34-81AB-432B-8DAE-1953F412C126}" type="datetimeFigureOut">
               <a:rPr lang="en-US" dirty="0"/>
-              <a:t>10/12/2020</a:t>
+              <a:t>2/1/2021</a:t>
             </a:fld>
             <a:endParaRPr lang="en-US" dirty="0"/>
           </a:p>
@@ -1548,7 +1551,7 @@
           <a:p>
             <a:fld id="{48A87A34-81AB-432B-8DAE-1953F412C126}" type="datetimeFigureOut">
               <a:rPr lang="en-US" dirty="0"/>
-              <a:t>10/12/2020</a:t>
+              <a:t>2/1/2021</a:t>
             </a:fld>
             <a:endParaRPr lang="en-US" dirty="0"/>
           </a:p>
@@ -2119,7 +2122,7 @@
           <a:p>
             <a:fld id="{48A87A34-81AB-432B-8DAE-1953F412C126}" type="datetimeFigureOut">
               <a:rPr lang="en-US" dirty="0"/>
-              <a:t>10/12/2020</a:t>
+              <a:t>2/1/2021</a:t>
             </a:fld>
             <a:endParaRPr lang="en-US" dirty="0"/>
           </a:p>
@@ -2966,7 +2969,7 @@
           <a:p>
             <a:fld id="{48A87A34-81AB-432B-8DAE-1953F412C126}" type="datetimeFigureOut">
               <a:rPr lang="en-US" dirty="0"/>
-              <a:t>10/12/2020</a:t>
+              <a:t>2/1/2021</a:t>
             </a:fld>
             <a:endParaRPr lang="en-US" dirty="0"/>
           </a:p>
@@ -3166,7 +3169,7 @@
           <a:p>
             <a:fld id="{48A87A34-81AB-432B-8DAE-1953F412C126}" type="datetimeFigureOut">
               <a:rPr lang="en-US" dirty="0"/>
-              <a:t>10/12/2020</a:t>
+              <a:t>2/1/2021</a:t>
             </a:fld>
             <a:endParaRPr lang="en-US" dirty="0"/>
           </a:p>
@@ -3375,7 +3378,7 @@
           <a:p>
             <a:fld id="{48A87A34-81AB-432B-8DAE-1953F412C126}" type="datetimeFigureOut">
               <a:rPr lang="en-US" dirty="0"/>
-              <a:t>10/12/2020</a:t>
+              <a:t>2/1/2021</a:t>
             </a:fld>
             <a:endParaRPr lang="en-US" dirty="0"/>
           </a:p>
@@ -3575,7 +3578,7 @@
           <a:p>
             <a:fld id="{48A87A34-81AB-432B-8DAE-1953F412C126}" type="datetimeFigureOut">
               <a:rPr lang="en-US" dirty="0"/>
-              <a:t>10/12/2020</a:t>
+              <a:t>2/1/2021</a:t>
             </a:fld>
             <a:endParaRPr lang="en-US" dirty="0"/>
           </a:p>
@@ -3850,7 +3853,7 @@
           <a:p>
             <a:fld id="{48A87A34-81AB-432B-8DAE-1953F412C126}" type="datetimeFigureOut">
               <a:rPr lang="en-US" dirty="0"/>
-              <a:t>10/12/2020</a:t>
+              <a:t>2/1/2021</a:t>
             </a:fld>
             <a:endParaRPr lang="en-US" dirty="0"/>
           </a:p>
@@ -4112,7 +4115,7 @@
           <a:p>
             <a:fld id="{48A87A34-81AB-432B-8DAE-1953F412C126}" type="datetimeFigureOut">
               <a:rPr lang="en-US" dirty="0"/>
-              <a:t>10/12/2020</a:t>
+              <a:t>2/1/2021</a:t>
             </a:fld>
             <a:endParaRPr lang="en-US" dirty="0"/>
           </a:p>
@@ -4522,7 +4525,7 @@
           <a:p>
             <a:fld id="{48A87A34-81AB-432B-8DAE-1953F412C126}" type="datetimeFigureOut">
               <a:rPr lang="en-US" dirty="0"/>
-              <a:t>10/12/2020</a:t>
+              <a:t>2/1/2021</a:t>
             </a:fld>
             <a:endParaRPr lang="en-US" dirty="0"/>
           </a:p>
@@ -4665,7 +4668,7 @@
           <a:p>
             <a:fld id="{48A87A34-81AB-432B-8DAE-1953F412C126}" type="datetimeFigureOut">
               <a:rPr lang="en-US" dirty="0"/>
-              <a:t>10/12/2020</a:t>
+              <a:t>2/1/2021</a:t>
             </a:fld>
             <a:endParaRPr lang="en-US" dirty="0"/>
           </a:p>
@@ -4785,7 +4788,7 @@
           <a:p>
             <a:fld id="{48A87A34-81AB-432B-8DAE-1953F412C126}" type="datetimeFigureOut">
               <a:rPr lang="en-US" dirty="0"/>
-              <a:t>10/12/2020</a:t>
+              <a:t>2/1/2021</a:t>
             </a:fld>
             <a:endParaRPr lang="en-US" dirty="0"/>
           </a:p>
@@ -5059,7 +5062,7 @@
           <a:p>
             <a:fld id="{48A87A34-81AB-432B-8DAE-1953F412C126}" type="datetimeFigureOut">
               <a:rPr lang="en-US" dirty="0"/>
-              <a:t>10/12/2020</a:t>
+              <a:t>2/1/2021</a:t>
             </a:fld>
             <a:endParaRPr lang="en-US" dirty="0"/>
           </a:p>
@@ -5366,7 +5369,7 @@
           <a:p>
             <a:fld id="{48A87A34-81AB-432B-8DAE-1953F412C126}" type="datetimeFigureOut">
               <a:rPr lang="en-US" dirty="0"/>
-              <a:t>10/12/2020</a:t>
+              <a:t>2/1/2021</a:t>
             </a:fld>
             <a:endParaRPr lang="en-US" dirty="0"/>
           </a:p>
@@ -5615,7 +5618,7 @@
             <a:fld id="{48A87A34-81AB-432B-8DAE-1953F412C126}" type="datetimeFigureOut">
               <a:rPr lang="en-US" dirty="0"/>
               <a:pPr/>
-              <a:t>10/12/2020</a:t>
+              <a:t>2/1/2021</a:t>
             </a:fld>
             <a:endParaRPr lang="en-US" dirty="0"/>
           </a:p>
@@ -6124,6 +6127,69 @@
 </p:sld>
 </file>
 
+<file path=ppt/slides/slide10.xml><?xml version="1.0" encoding="utf-8"?>
+<p:sld xmlns:a="http://schemas.openxmlformats.org/drawingml/2006/main" xmlns:r="http://schemas.openxmlformats.org/officeDocument/2006/relationships" xmlns:p="http://schemas.openxmlformats.org/presentationml/2006/main">
+  <p:cSld>
+    <p:spTree>
+      <p:nvGrpSpPr>
+        <p:cNvPr id="1" name=""/>
+        <p:cNvGrpSpPr/>
+        <p:nvPr/>
+      </p:nvGrpSpPr>
+      <p:grpSpPr>
+        <a:xfrm>
+          <a:off x="0" y="0"/>
+          <a:ext cx="0" cy="0"/>
+          <a:chOff x="0" y="0"/>
+          <a:chExt cx="0" cy="0"/>
+        </a:xfrm>
+      </p:grpSpPr>
+      <p:sp>
+        <p:nvSpPr>
+          <p:cNvPr id="2" name="Title 1">
+            <a:extLst>
+              <a:ext uri="{FF2B5EF4-FFF2-40B4-BE49-F238E27FC236}">
+                <a16:creationId xmlns:a16="http://schemas.microsoft.com/office/drawing/2014/main" id="{8122DC86-8A0B-4D12-9844-338DC477BBB4}"/>
+              </a:ext>
+            </a:extLst>
+          </p:cNvPr>
+          <p:cNvSpPr>
+            <a:spLocks noGrp="1"/>
+          </p:cNvSpPr>
+          <p:nvPr>
+            <p:ph type="title"/>
+          </p:nvPr>
+        </p:nvSpPr>
+        <p:spPr>
+          <a:xfrm>
+            <a:off x="913774" y="2345717"/>
+            <a:ext cx="10364451" cy="1596177"/>
+          </a:xfrm>
+        </p:spPr>
+        <p:txBody>
+          <a:bodyPr/>
+          <a:lstStyle/>
+          <a:p>
+            <a:r>
+              <a:rPr lang="en-IN"/>
+              <a:t>THE END</a:t>
+            </a:r>
+          </a:p>
+        </p:txBody>
+      </p:sp>
+    </p:spTree>
+    <p:extLst>
+      <p:ext uri="{BB962C8B-B14F-4D97-AF65-F5344CB8AC3E}">
+        <p14:creationId xmlns:p14="http://schemas.microsoft.com/office/powerpoint/2010/main" val="2773145524"/>
+      </p:ext>
+    </p:extLst>
+  </p:cSld>
+  <p:clrMapOvr>
+    <a:masterClrMapping/>
+  </p:clrMapOvr>
+</p:sld>
+</file>
+
 <file path=ppt/slides/slide2.xml><?xml version="1.0" encoding="utf-8"?>
 <p:sld xmlns:a="http://schemas.openxmlformats.org/drawingml/2006/main" xmlns:r="http://schemas.openxmlformats.org/officeDocument/2006/relationships" xmlns:p="http://schemas.openxmlformats.org/presentationml/2006/main">
   <p:cSld>
@@ -7087,7 +7153,7 @@
           <p:cNvPr id="2" name="Title 1">
             <a:extLst>
               <a:ext uri="{FF2B5EF4-FFF2-40B4-BE49-F238E27FC236}">
-                <a16:creationId xmlns:a16="http://schemas.microsoft.com/office/drawing/2014/main" id="{8122DC86-8A0B-4D12-9844-338DC477BBB4}"/>
+                <a16:creationId xmlns:a16="http://schemas.microsoft.com/office/drawing/2014/main" id="{B0B8EA25-06B3-40BC-8BBD-87AC2A85E2B0}"/>
               </a:ext>
             </a:extLst>
           </p:cNvPr>
@@ -7100,8 +7166,8 @@
         </p:nvSpPr>
         <p:spPr>
           <a:xfrm>
-            <a:off x="913774" y="2345717"/>
-            <a:ext cx="10364451" cy="1596177"/>
+            <a:off x="913775" y="618517"/>
+            <a:ext cx="10364451" cy="791183"/>
           </a:xfrm>
         </p:spPr>
         <p:txBody>
@@ -7109,16 +7175,863 @@
           <a:lstStyle/>
           <a:p>
             <a:r>
-              <a:rPr lang="en-IN"/>
-              <a:t>THE END</a:t>
-            </a:r>
+              <a:rPr lang="en-IN" dirty="0"/>
+              <a:t>ODDS ratio</a:t>
+            </a:r>
+          </a:p>
+        </p:txBody>
+      </p:sp>
+      <p:sp>
+        <p:nvSpPr>
+          <p:cNvPr id="3" name="Content Placeholder 2">
+            <a:extLst>
+              <a:ext uri="{FF2B5EF4-FFF2-40B4-BE49-F238E27FC236}">
+                <a16:creationId xmlns:a16="http://schemas.microsoft.com/office/drawing/2014/main" id="{623E92F7-EB25-4652-9D5D-0C533FA12CC9}"/>
+              </a:ext>
+            </a:extLst>
+          </p:cNvPr>
+          <p:cNvSpPr>
+            <a:spLocks noGrp="1"/>
+          </p:cNvSpPr>
+          <p:nvPr>
+            <p:ph sz="quarter" idx="13"/>
+          </p:nvPr>
+        </p:nvSpPr>
+        <p:spPr>
+          <a:xfrm>
+            <a:off x="913774" y="1409701"/>
+            <a:ext cx="10363826" cy="1169433"/>
+          </a:xfrm>
+        </p:spPr>
+        <p:txBody>
+          <a:bodyPr>
+            <a:normAutofit fontScale="85000" lnSpcReduction="10000"/>
+          </a:bodyPr>
+          <a:lstStyle/>
+          <a:p>
+            <a:r>
+              <a:rPr lang="en-US" dirty="0"/>
+              <a:t>Let’s start with the so-called “odds ratio” p / (1 - p), which describes the ratio between the probability that a certain, positive, event occurs and the probability that it doesn’t occur – where positive refers to the “event that we want to predict”, i.e., p(y=1 | x)</a:t>
+            </a:r>
+          </a:p>
+          <a:p>
+            <a:endParaRPr lang="en-IN" dirty="0"/>
+          </a:p>
+        </p:txBody>
+      </p:sp>
+      <p:sp>
+        <p:nvSpPr>
+          <p:cNvPr id="4" name="TextBox 3">
+            <a:extLst>
+              <a:ext uri="{FF2B5EF4-FFF2-40B4-BE49-F238E27FC236}">
+                <a16:creationId xmlns:a16="http://schemas.microsoft.com/office/drawing/2014/main" id="{E63A8666-A892-4F02-BBAB-18724050D03F}"/>
+              </a:ext>
+            </a:extLst>
+          </p:cNvPr>
+          <p:cNvSpPr txBox="1"/>
+          <p:nvPr/>
+        </p:nvSpPr>
+        <p:spPr>
+          <a:xfrm>
+            <a:off x="2438400" y="6488668"/>
+            <a:ext cx="8146472" cy="369332"/>
+          </a:xfrm>
+          <a:prstGeom prst="rect">
+            <a:avLst/>
+          </a:prstGeom>
+          <a:noFill/>
+        </p:spPr>
+        <p:txBody>
+          <a:bodyPr wrap="square" rtlCol="0">
+            <a:spAutoFit/>
+          </a:bodyPr>
+          <a:lstStyle/>
+          <a:p>
+            <a:r>
+              <a:rPr lang="en-IN" dirty="0"/>
+              <a:t>Source: https://sebastianraschka.com/faq/docs/logistic-why-sigmoid.html</a:t>
+            </a:r>
+          </a:p>
+        </p:txBody>
+      </p:sp>
+      <p:pic>
+        <p:nvPicPr>
+          <p:cNvPr id="6" name="Picture 5">
+            <a:extLst>
+              <a:ext uri="{FF2B5EF4-FFF2-40B4-BE49-F238E27FC236}">
+                <a16:creationId xmlns:a16="http://schemas.microsoft.com/office/drawing/2014/main" id="{4AD95B0E-127D-4574-82BC-1EAA9049941D}"/>
+              </a:ext>
+            </a:extLst>
+          </p:cNvPr>
+          <p:cNvPicPr>
+            <a:picLocks noChangeAspect="1"/>
+          </p:cNvPicPr>
+          <p:nvPr/>
+        </p:nvPicPr>
+        <p:blipFill>
+          <a:blip r:embed="rId2"/>
+          <a:stretch>
+            <a:fillRect/>
+          </a:stretch>
+        </p:blipFill>
+        <p:spPr>
+          <a:xfrm>
+            <a:off x="1377157" y="2682439"/>
+            <a:ext cx="4810125" cy="3276600"/>
+          </a:xfrm>
+          <a:prstGeom prst="rect">
+            <a:avLst/>
+          </a:prstGeom>
+        </p:spPr>
+      </p:pic>
+      <p:sp>
+        <p:nvSpPr>
+          <p:cNvPr id="8" name="TextBox 7">
+            <a:extLst>
+              <a:ext uri="{FF2B5EF4-FFF2-40B4-BE49-F238E27FC236}">
+                <a16:creationId xmlns:a16="http://schemas.microsoft.com/office/drawing/2014/main" id="{3E966093-7F54-4C0D-A7F2-14E55B785182}"/>
+              </a:ext>
+            </a:extLst>
+          </p:cNvPr>
+          <p:cNvSpPr txBox="1"/>
+          <p:nvPr/>
+        </p:nvSpPr>
+        <p:spPr>
+          <a:xfrm>
+            <a:off x="6326981" y="3720574"/>
+            <a:ext cx="2527300" cy="1200329"/>
+          </a:xfrm>
+          <a:prstGeom prst="rect">
+            <a:avLst/>
+          </a:prstGeom>
+          <a:noFill/>
+        </p:spPr>
+        <p:txBody>
+          <a:bodyPr wrap="square">
+            <a:spAutoFit/>
+          </a:bodyPr>
+          <a:lstStyle/>
+          <a:p>
+            <a:r>
+              <a:rPr lang="en-US" b="0" i="0" dirty="0">
+                <a:solidFill>
+                  <a:schemeClr val="accent1">
+                    <a:lumMod val="75000"/>
+                  </a:schemeClr>
+                </a:solidFill>
+                <a:effectLst/>
+                <a:latin typeface="Helvetica" panose="020B0604020202020204" pitchFamily="34" charset="0"/>
+              </a:rPr>
+              <a:t>So, the more likely it is that the positive event occurs, the larger the odds’ ratio</a:t>
+            </a:r>
+            <a:endParaRPr lang="en-IN" dirty="0">
+              <a:solidFill>
+                <a:schemeClr val="accent1">
+                  <a:lumMod val="75000"/>
+                </a:schemeClr>
+              </a:solidFill>
+            </a:endParaRPr>
           </a:p>
         </p:txBody>
       </p:sp>
     </p:spTree>
     <p:extLst>
       <p:ext uri="{BB962C8B-B14F-4D97-AF65-F5344CB8AC3E}">
-        <p14:creationId xmlns:p14="http://schemas.microsoft.com/office/powerpoint/2010/main" val="2773145524"/>
+        <p14:creationId xmlns:p14="http://schemas.microsoft.com/office/powerpoint/2010/main" val="1260132435"/>
+      </p:ext>
+    </p:extLst>
+  </p:cSld>
+  <p:clrMapOvr>
+    <a:masterClrMapping/>
+  </p:clrMapOvr>
+</p:sld>
+</file>
+
+<file path=ppt/slides/slide8.xml><?xml version="1.0" encoding="utf-8"?>
+<p:sld xmlns:a="http://schemas.openxmlformats.org/drawingml/2006/main" xmlns:r="http://schemas.openxmlformats.org/officeDocument/2006/relationships" xmlns:p="http://schemas.openxmlformats.org/presentationml/2006/main">
+  <p:cSld>
+    <p:spTree>
+      <p:nvGrpSpPr>
+        <p:cNvPr id="1" name=""/>
+        <p:cNvGrpSpPr/>
+        <p:nvPr/>
+      </p:nvGrpSpPr>
+      <p:grpSpPr>
+        <a:xfrm>
+          <a:off x="0" y="0"/>
+          <a:ext cx="0" cy="0"/>
+          <a:chOff x="0" y="0"/>
+          <a:chExt cx="0" cy="0"/>
+        </a:xfrm>
+      </p:grpSpPr>
+      <p:sp>
+        <p:nvSpPr>
+          <p:cNvPr id="2" name="Title 1">
+            <a:extLst>
+              <a:ext uri="{FF2B5EF4-FFF2-40B4-BE49-F238E27FC236}">
+                <a16:creationId xmlns:a16="http://schemas.microsoft.com/office/drawing/2014/main" id="{B0B8EA25-06B3-40BC-8BBD-87AC2A85E2B0}"/>
+              </a:ext>
+            </a:extLst>
+          </p:cNvPr>
+          <p:cNvSpPr>
+            <a:spLocks noGrp="1"/>
+          </p:cNvSpPr>
+          <p:nvPr>
+            <p:ph type="title"/>
+          </p:nvPr>
+        </p:nvSpPr>
+        <p:spPr>
+          <a:xfrm>
+            <a:off x="913149" y="289005"/>
+            <a:ext cx="10364451" cy="791183"/>
+          </a:xfrm>
+        </p:spPr>
+        <p:txBody>
+          <a:bodyPr/>
+          <a:lstStyle/>
+          <a:p>
+            <a:r>
+              <a:rPr lang="en-IN" dirty="0"/>
+              <a:t>LOG-ODDS ratio</a:t>
+            </a:r>
+          </a:p>
+        </p:txBody>
+      </p:sp>
+      <p:sp>
+        <p:nvSpPr>
+          <p:cNvPr id="3" name="Content Placeholder 2">
+            <a:extLst>
+              <a:ext uri="{FF2B5EF4-FFF2-40B4-BE49-F238E27FC236}">
+                <a16:creationId xmlns:a16="http://schemas.microsoft.com/office/drawing/2014/main" id="{623E92F7-EB25-4652-9D5D-0C533FA12CC9}"/>
+              </a:ext>
+            </a:extLst>
+          </p:cNvPr>
+          <p:cNvSpPr>
+            <a:spLocks noGrp="1"/>
+          </p:cNvSpPr>
+          <p:nvPr>
+            <p:ph sz="quarter" idx="13"/>
+          </p:nvPr>
+        </p:nvSpPr>
+        <p:spPr>
+          <a:xfrm>
+            <a:off x="913774" y="1409701"/>
+            <a:ext cx="10363826" cy="438151"/>
+          </a:xfrm>
+        </p:spPr>
+        <p:txBody>
+          <a:bodyPr>
+            <a:noAutofit/>
+          </a:bodyPr>
+          <a:lstStyle/>
+          <a:p>
+            <a:pPr marL="0" indent="0">
+              <a:buNone/>
+            </a:pPr>
+            <a:r>
+              <a:rPr lang="en-US" sz="1600" dirty="0"/>
+              <a:t>Now, if we take the natural log of this odds’ ratio, the log-odds or logit function, we get the following</a:t>
+            </a:r>
+            <a:endParaRPr lang="en-IN" sz="1600" dirty="0"/>
+          </a:p>
+        </p:txBody>
+      </p:sp>
+      <p:sp>
+        <p:nvSpPr>
+          <p:cNvPr id="4" name="TextBox 3">
+            <a:extLst>
+              <a:ext uri="{FF2B5EF4-FFF2-40B4-BE49-F238E27FC236}">
+                <a16:creationId xmlns:a16="http://schemas.microsoft.com/office/drawing/2014/main" id="{E63A8666-A892-4F02-BBAB-18724050D03F}"/>
+              </a:ext>
+            </a:extLst>
+          </p:cNvPr>
+          <p:cNvSpPr txBox="1"/>
+          <p:nvPr/>
+        </p:nvSpPr>
+        <p:spPr>
+          <a:xfrm>
+            <a:off x="2438400" y="6488668"/>
+            <a:ext cx="8146472" cy="369332"/>
+          </a:xfrm>
+          <a:prstGeom prst="rect">
+            <a:avLst/>
+          </a:prstGeom>
+          <a:noFill/>
+        </p:spPr>
+        <p:txBody>
+          <a:bodyPr wrap="square" rtlCol="0">
+            <a:spAutoFit/>
+          </a:bodyPr>
+          <a:lstStyle/>
+          <a:p>
+            <a:r>
+              <a:rPr lang="en-IN" dirty="0"/>
+              <a:t>Source: https://sebastianraschka.com/faq/docs/logistic-why-sigmoid.html</a:t>
+            </a:r>
+          </a:p>
+        </p:txBody>
+      </p:sp>
+      <p:pic>
+        <p:nvPicPr>
+          <p:cNvPr id="1028" name="Picture 4">
+            <a:extLst>
+              <a:ext uri="{FF2B5EF4-FFF2-40B4-BE49-F238E27FC236}">
+                <a16:creationId xmlns:a16="http://schemas.microsoft.com/office/drawing/2014/main" id="{7B5E3E73-C3A5-42BF-91E5-2DC11B7CCB83}"/>
+              </a:ext>
+            </a:extLst>
+          </p:cNvPr>
+          <p:cNvPicPr>
+            <a:picLocks noChangeAspect="1" noChangeArrowheads="1"/>
+          </p:cNvPicPr>
+          <p:nvPr/>
+        </p:nvPicPr>
+        <p:blipFill>
+          <a:blip r:embed="rId2">
+            <a:extLst>
+              <a:ext uri="{28A0092B-C50C-407E-A947-70E740481C1C}">
+                <a14:useLocalDpi xmlns:a14="http://schemas.microsoft.com/office/drawing/2010/main" val="0"/>
+              </a:ext>
+            </a:extLst>
+          </a:blip>
+          <a:srcRect/>
+          <a:stretch>
+            <a:fillRect/>
+          </a:stretch>
+        </p:blipFill>
+        <p:spPr bwMode="auto">
+          <a:xfrm>
+            <a:off x="913149" y="2177365"/>
+            <a:ext cx="7481830" cy="791182"/>
+          </a:xfrm>
+          <a:prstGeom prst="rect">
+            <a:avLst/>
+          </a:prstGeom>
+          <a:noFill/>
+          <a:extLst>
+            <a:ext uri="{909E8E84-426E-40DD-AFC4-6F175D3DCCD1}">
+              <a14:hiddenFill xmlns:a14="http://schemas.microsoft.com/office/drawing/2010/main">
+                <a:solidFill>
+                  <a:srgbClr val="FFFFFF"/>
+                </a:solidFill>
+              </a14:hiddenFill>
+            </a:ext>
+          </a:extLst>
+        </p:spPr>
+      </p:pic>
+      <p:sp>
+        <p:nvSpPr>
+          <p:cNvPr id="9" name="Rectangle 5">
+            <a:extLst>
+              <a:ext uri="{FF2B5EF4-FFF2-40B4-BE49-F238E27FC236}">
+                <a16:creationId xmlns:a16="http://schemas.microsoft.com/office/drawing/2014/main" id="{63A88E66-20D4-41FD-BA7F-86070F36DD47}"/>
+              </a:ext>
+            </a:extLst>
+          </p:cNvPr>
+          <p:cNvSpPr>
+            <a:spLocks noChangeArrowheads="1"/>
+          </p:cNvSpPr>
+          <p:nvPr/>
+        </p:nvSpPr>
+        <p:spPr bwMode="auto">
+          <a:xfrm>
+            <a:off x="711200" y="4484962"/>
+            <a:ext cx="5079083" cy="600164"/>
+          </a:xfrm>
+          <a:prstGeom prst="rect">
+            <a:avLst/>
+          </a:prstGeom>
+          <a:noFill/>
+          <a:ln>
+            <a:noFill/>
+          </a:ln>
+          <a:effectLst/>
+          <a:extLst>
+            <a:ext uri="{909E8E84-426E-40DD-AFC4-6F175D3DCCD1}">
+              <a14:hiddenFill xmlns:a14="http://schemas.microsoft.com/office/drawing/2010/main">
+                <a:solidFill>
+                  <a:schemeClr val="accent1"/>
+                </a:solidFill>
+              </a14:hiddenFill>
+            </a:ext>
+            <a:ext uri="{91240B29-F687-4F45-9708-019B960494DF}">
+              <a14:hiddenLine xmlns:a14="http://schemas.microsoft.com/office/drawing/2010/main" w="9525">
+                <a:solidFill>
+                  <a:schemeClr val="tx1"/>
+                </a:solidFill>
+                <a:miter lim="800000"/>
+                <a:headEnd/>
+                <a:tailEnd/>
+              </a14:hiddenLine>
+            </a:ext>
+            <a:ext uri="{AF507438-7753-43E0-B8FC-AC1667EBCBE1}">
+              <a14:hiddenEffects xmlns:a14="http://schemas.microsoft.com/office/drawing/2010/main">
+                <a:effectLst>
+                  <a:outerShdw dist="35921" dir="2700000" algn="ctr" rotWithShape="0">
+                    <a:schemeClr val="bg2"/>
+                  </a:outerShdw>
+                </a:effectLst>
+              </a14:hiddenEffects>
+            </a:ext>
+          </a:extLst>
+        </p:spPr>
+        <p:txBody>
+          <a:bodyPr vert="horz" wrap="none" lIns="91440" tIns="45720" rIns="91440" bIns="45720" numCol="1" anchor="ctr" anchorCtr="0" compatLnSpc="1">
+            <a:prstTxWarp prst="textNoShape">
+              <a:avLst/>
+            </a:prstTxWarp>
+            <a:spAutoFit/>
+          </a:bodyPr>
+          <a:lstStyle>
+            <a:lvl1pPr eaLnBrk="0" fontAlgn="base" hangingPunct="0">
+              <a:spcBef>
+                <a:spcPct val="0"/>
+              </a:spcBef>
+              <a:spcAft>
+                <a:spcPct val="0"/>
+              </a:spcAft>
+              <a:defRPr>
+                <a:solidFill>
+                  <a:schemeClr val="tx1"/>
+                </a:solidFill>
+                <a:latin typeface="Arial" panose="020B0604020202020204" pitchFamily="34" charset="0"/>
+              </a:defRPr>
+            </a:lvl1pPr>
+            <a:lvl2pPr eaLnBrk="0" fontAlgn="base" hangingPunct="0">
+              <a:spcBef>
+                <a:spcPct val="0"/>
+              </a:spcBef>
+              <a:spcAft>
+                <a:spcPct val="0"/>
+              </a:spcAft>
+              <a:defRPr>
+                <a:solidFill>
+                  <a:schemeClr val="tx1"/>
+                </a:solidFill>
+                <a:latin typeface="Arial" panose="020B0604020202020204" pitchFamily="34" charset="0"/>
+              </a:defRPr>
+            </a:lvl2pPr>
+            <a:lvl3pPr eaLnBrk="0" fontAlgn="base" hangingPunct="0">
+              <a:spcBef>
+                <a:spcPct val="0"/>
+              </a:spcBef>
+              <a:spcAft>
+                <a:spcPct val="0"/>
+              </a:spcAft>
+              <a:defRPr>
+                <a:solidFill>
+                  <a:schemeClr val="tx1"/>
+                </a:solidFill>
+                <a:latin typeface="Arial" panose="020B0604020202020204" pitchFamily="34" charset="0"/>
+              </a:defRPr>
+            </a:lvl3pPr>
+            <a:lvl4pPr eaLnBrk="0" fontAlgn="base" hangingPunct="0">
+              <a:spcBef>
+                <a:spcPct val="0"/>
+              </a:spcBef>
+              <a:spcAft>
+                <a:spcPct val="0"/>
+              </a:spcAft>
+              <a:defRPr>
+                <a:solidFill>
+                  <a:schemeClr val="tx1"/>
+                </a:solidFill>
+                <a:latin typeface="Arial" panose="020B0604020202020204" pitchFamily="34" charset="0"/>
+              </a:defRPr>
+            </a:lvl4pPr>
+            <a:lvl5pPr eaLnBrk="0" fontAlgn="base" hangingPunct="0">
+              <a:spcBef>
+                <a:spcPct val="0"/>
+              </a:spcBef>
+              <a:spcAft>
+                <a:spcPct val="0"/>
+              </a:spcAft>
+              <a:defRPr>
+                <a:solidFill>
+                  <a:schemeClr val="tx1"/>
+                </a:solidFill>
+                <a:latin typeface="Arial" panose="020B0604020202020204" pitchFamily="34" charset="0"/>
+              </a:defRPr>
+            </a:lvl5pPr>
+            <a:lvl6pPr eaLnBrk="0" fontAlgn="base" hangingPunct="0">
+              <a:spcBef>
+                <a:spcPct val="0"/>
+              </a:spcBef>
+              <a:spcAft>
+                <a:spcPct val="0"/>
+              </a:spcAft>
+              <a:defRPr>
+                <a:solidFill>
+                  <a:schemeClr val="tx1"/>
+                </a:solidFill>
+                <a:latin typeface="Arial" panose="020B0604020202020204" pitchFamily="34" charset="0"/>
+              </a:defRPr>
+            </a:lvl6pPr>
+            <a:lvl7pPr eaLnBrk="0" fontAlgn="base" hangingPunct="0">
+              <a:spcBef>
+                <a:spcPct val="0"/>
+              </a:spcBef>
+              <a:spcAft>
+                <a:spcPct val="0"/>
+              </a:spcAft>
+              <a:defRPr>
+                <a:solidFill>
+                  <a:schemeClr val="tx1"/>
+                </a:solidFill>
+                <a:latin typeface="Arial" panose="020B0604020202020204" pitchFamily="34" charset="0"/>
+              </a:defRPr>
+            </a:lvl7pPr>
+            <a:lvl8pPr eaLnBrk="0" fontAlgn="base" hangingPunct="0">
+              <a:spcBef>
+                <a:spcPct val="0"/>
+              </a:spcBef>
+              <a:spcAft>
+                <a:spcPct val="0"/>
+              </a:spcAft>
+              <a:defRPr>
+                <a:solidFill>
+                  <a:schemeClr val="tx1"/>
+                </a:solidFill>
+                <a:latin typeface="Arial" panose="020B0604020202020204" pitchFamily="34" charset="0"/>
+              </a:defRPr>
+            </a:lvl8pPr>
+            <a:lvl9pPr eaLnBrk="0" fontAlgn="base" hangingPunct="0">
+              <a:spcBef>
+                <a:spcPct val="0"/>
+              </a:spcBef>
+              <a:spcAft>
+                <a:spcPct val="0"/>
+              </a:spcAft>
+              <a:defRPr>
+                <a:solidFill>
+                  <a:schemeClr val="tx1"/>
+                </a:solidFill>
+                <a:latin typeface="Arial" panose="020B0604020202020204" pitchFamily="34" charset="0"/>
+              </a:defRPr>
+            </a:lvl9pPr>
+          </a:lstStyle>
+          <a:p>
+            <a:pPr marL="0" marR="0" lvl="0" indent="0" algn="l" defTabSz="914400" rtl="0" eaLnBrk="0" fontAlgn="base" latinLnBrk="0" hangingPunct="0">
+              <a:lnSpc>
+                <a:spcPct val="100000"/>
+              </a:lnSpc>
+              <a:spcBef>
+                <a:spcPct val="0"/>
+              </a:spcBef>
+              <a:spcAft>
+                <a:spcPct val="0"/>
+              </a:spcAft>
+              <a:buClrTx/>
+              <a:buSzTx/>
+              <a:buFontTx/>
+              <a:buNone/>
+              <a:tabLst/>
+            </a:pPr>
+            <a:endParaRPr kumimoji="0" lang="en-US" altLang="en-US" sz="1100" b="0" i="0" u="none" strike="noStrike" cap="none" normalizeH="0" baseline="0" dirty="0">
+              <a:ln>
+                <a:noFill/>
+              </a:ln>
+              <a:solidFill>
+                <a:schemeClr val="tx1"/>
+              </a:solidFill>
+              <a:effectLst/>
+            </a:endParaRPr>
+          </a:p>
+          <a:p>
+            <a:pPr marL="0" marR="0" lvl="0" indent="0" algn="l" defTabSz="914400" rtl="0" eaLnBrk="0" fontAlgn="base" latinLnBrk="0" hangingPunct="0">
+              <a:lnSpc>
+                <a:spcPct val="100000"/>
+              </a:lnSpc>
+              <a:spcBef>
+                <a:spcPct val="0"/>
+              </a:spcBef>
+              <a:spcAft>
+                <a:spcPct val="0"/>
+              </a:spcAft>
+              <a:buClrTx/>
+              <a:buSzTx/>
+              <a:buFontTx/>
+              <a:buNone/>
+              <a:tabLst/>
+            </a:pPr>
+            <a:r>
+              <a:rPr kumimoji="0" lang="en-US" altLang="en-US" sz="1200" b="0" i="0" u="none" strike="noStrike" cap="none" normalizeH="0" baseline="0" dirty="0">
+                <a:ln>
+                  <a:noFill/>
+                </a:ln>
+                <a:solidFill>
+                  <a:srgbClr val="111111"/>
+                </a:solidFill>
+                <a:effectLst/>
+                <a:latin typeface="Helvetica" panose="020B0604020202020204" pitchFamily="34" charset="0"/>
+              </a:rPr>
+              <a:t>  </a:t>
+            </a:r>
+            <a:r>
+              <a:rPr kumimoji="0" lang="en-US" altLang="en-US" sz="2100" b="0" i="0" u="none" strike="noStrike" cap="none" normalizeH="0" baseline="0" dirty="0">
+                <a:ln>
+                  <a:noFill/>
+                </a:ln>
+                <a:solidFill>
+                  <a:srgbClr val="111111"/>
+                </a:solidFill>
+                <a:effectLst/>
+                <a:latin typeface="Helvetica" panose="020B0604020202020204" pitchFamily="34" charset="0"/>
+              </a:rPr>
+              <a:t>                                                              </a:t>
+            </a:r>
+            <a:endParaRPr kumimoji="0" lang="en-US" altLang="en-US" sz="1800" b="0" i="0" u="none" strike="noStrike" cap="none" normalizeH="0" baseline="0" dirty="0">
+              <a:ln>
+                <a:noFill/>
+              </a:ln>
+              <a:solidFill>
+                <a:schemeClr val="tx1"/>
+              </a:solidFill>
+              <a:effectLst/>
+              <a:latin typeface="Arial" panose="020B0604020202020204" pitchFamily="34" charset="0"/>
+            </a:endParaRPr>
+          </a:p>
+        </p:txBody>
+      </p:sp>
+      <p:pic>
+        <p:nvPicPr>
+          <p:cNvPr id="1030" name="Picture 6">
+            <a:extLst>
+              <a:ext uri="{FF2B5EF4-FFF2-40B4-BE49-F238E27FC236}">
+                <a16:creationId xmlns:a16="http://schemas.microsoft.com/office/drawing/2014/main" id="{6DE3BD01-F5C0-43D6-A2AA-C5AC08625AD9}"/>
+              </a:ext>
+            </a:extLst>
+          </p:cNvPr>
+          <p:cNvPicPr>
+            <a:picLocks noChangeAspect="1" noChangeArrowheads="1"/>
+          </p:cNvPicPr>
+          <p:nvPr/>
+        </p:nvPicPr>
+        <p:blipFill>
+          <a:blip r:embed="rId3">
+            <a:extLst>
+              <a:ext uri="{28A0092B-C50C-407E-A947-70E740481C1C}">
+                <a14:useLocalDpi xmlns:a14="http://schemas.microsoft.com/office/drawing/2010/main" val="0"/>
+              </a:ext>
+            </a:extLst>
+          </a:blip>
+          <a:srcRect/>
+          <a:stretch>
+            <a:fillRect/>
+          </a:stretch>
+        </p:blipFill>
+        <p:spPr bwMode="auto">
+          <a:xfrm>
+            <a:off x="913149" y="3960101"/>
+            <a:ext cx="7531732" cy="1163847"/>
+          </a:xfrm>
+          <a:prstGeom prst="rect">
+            <a:avLst/>
+          </a:prstGeom>
+          <a:noFill/>
+          <a:extLst>
+            <a:ext uri="{909E8E84-426E-40DD-AFC4-6F175D3DCCD1}">
+              <a14:hiddenFill xmlns:a14="http://schemas.microsoft.com/office/drawing/2010/main">
+                <a:solidFill>
+                  <a:srgbClr val="FFFFFF"/>
+                </a:solidFill>
+              </a14:hiddenFill>
+            </a:ext>
+          </a:extLst>
+        </p:spPr>
+      </p:pic>
+      <p:sp>
+        <p:nvSpPr>
+          <p:cNvPr id="14" name="TextBox 13">
+            <a:extLst>
+              <a:ext uri="{FF2B5EF4-FFF2-40B4-BE49-F238E27FC236}">
+                <a16:creationId xmlns:a16="http://schemas.microsoft.com/office/drawing/2014/main" id="{C1A678B7-093C-46E3-84F0-81C5CE9BBA76}"/>
+              </a:ext>
+            </a:extLst>
+          </p:cNvPr>
+          <p:cNvSpPr txBox="1"/>
+          <p:nvPr/>
+        </p:nvSpPr>
+        <p:spPr>
+          <a:xfrm>
+            <a:off x="863247" y="3298060"/>
+            <a:ext cx="9854071" cy="662041"/>
+          </a:xfrm>
+          <a:prstGeom prst="rect">
+            <a:avLst/>
+          </a:prstGeom>
+          <a:noFill/>
+        </p:spPr>
+        <p:txBody>
+          <a:bodyPr wrap="square">
+            <a:spAutoFit/>
+          </a:bodyPr>
+          <a:lstStyle/>
+          <a:p>
+            <a:pPr defTabSz="914400">
+              <a:lnSpc>
+                <a:spcPct val="120000"/>
+              </a:lnSpc>
+              <a:spcBef>
+                <a:spcPts val="1000"/>
+              </a:spcBef>
+              <a:buClr>
+                <a:schemeClr val="tx1"/>
+              </a:buClr>
+            </a:pPr>
+            <a:r>
+              <a:rPr lang="en-US" sz="1600" cap="all" dirty="0"/>
+              <a:t>Next, let’s use this log transformation to model the relationship between our explanatory variables and the target variable.</a:t>
+            </a:r>
+            <a:endParaRPr lang="en-IN" sz="1600" cap="all" dirty="0"/>
+          </a:p>
+        </p:txBody>
+      </p:sp>
+      <p:pic>
+        <p:nvPicPr>
+          <p:cNvPr id="1032" name="Picture 8">
+            <a:extLst>
+              <a:ext uri="{FF2B5EF4-FFF2-40B4-BE49-F238E27FC236}">
+                <a16:creationId xmlns:a16="http://schemas.microsoft.com/office/drawing/2014/main" id="{2824235A-6B76-420C-899C-142DAD15EC27}"/>
+              </a:ext>
+            </a:extLst>
+          </p:cNvPr>
+          <p:cNvPicPr>
+            <a:picLocks noChangeAspect="1" noChangeArrowheads="1"/>
+          </p:cNvPicPr>
+          <p:nvPr/>
+        </p:nvPicPr>
+        <p:blipFill>
+          <a:blip r:embed="rId4">
+            <a:extLst>
+              <a:ext uri="{28A0092B-C50C-407E-A947-70E740481C1C}">
+                <a14:useLocalDpi xmlns:a14="http://schemas.microsoft.com/office/drawing/2010/main" val="0"/>
+              </a:ext>
+            </a:extLst>
+          </a:blip>
+          <a:srcRect/>
+          <a:stretch>
+            <a:fillRect/>
+          </a:stretch>
+        </p:blipFill>
+        <p:spPr bwMode="auto">
+          <a:xfrm>
+            <a:off x="863247" y="5324822"/>
+            <a:ext cx="7531732" cy="853152"/>
+          </a:xfrm>
+          <a:prstGeom prst="rect">
+            <a:avLst/>
+          </a:prstGeom>
+          <a:noFill/>
+          <a:extLst>
+            <a:ext uri="{909E8E84-426E-40DD-AFC4-6F175D3DCCD1}">
+              <a14:hiddenFill xmlns:a14="http://schemas.microsoft.com/office/drawing/2010/main">
+                <a:solidFill>
+                  <a:srgbClr val="FFFFFF"/>
+                </a:solidFill>
+              </a14:hiddenFill>
+            </a:ext>
+          </a:extLst>
+        </p:spPr>
+      </p:pic>
+    </p:spTree>
+    <p:extLst>
+      <p:ext uri="{BB962C8B-B14F-4D97-AF65-F5344CB8AC3E}">
+        <p14:creationId xmlns:p14="http://schemas.microsoft.com/office/powerpoint/2010/main" val="2908190006"/>
+      </p:ext>
+    </p:extLst>
+  </p:cSld>
+  <p:clrMapOvr>
+    <a:masterClrMapping/>
+  </p:clrMapOvr>
+</p:sld>
+</file>
+
+<file path=ppt/slides/slide9.xml><?xml version="1.0" encoding="utf-8"?>
+<p:sld xmlns:a="http://schemas.openxmlformats.org/drawingml/2006/main" xmlns:r="http://schemas.openxmlformats.org/officeDocument/2006/relationships" xmlns:p="http://schemas.openxmlformats.org/presentationml/2006/main">
+  <p:cSld>
+    <p:spTree>
+      <p:nvGrpSpPr>
+        <p:cNvPr id="1" name=""/>
+        <p:cNvGrpSpPr/>
+        <p:nvPr/>
+      </p:nvGrpSpPr>
+      <p:grpSpPr>
+        <a:xfrm>
+          <a:off x="0" y="0"/>
+          <a:ext cx="0" cy="0"/>
+          <a:chOff x="0" y="0"/>
+          <a:chExt cx="0" cy="0"/>
+        </a:xfrm>
+      </p:grpSpPr>
+      <p:sp>
+        <p:nvSpPr>
+          <p:cNvPr id="2" name="Title 1">
+            <a:extLst>
+              <a:ext uri="{FF2B5EF4-FFF2-40B4-BE49-F238E27FC236}">
+                <a16:creationId xmlns:a16="http://schemas.microsoft.com/office/drawing/2014/main" id="{1EFD346D-707E-4511-9775-290275D22839}"/>
+              </a:ext>
+            </a:extLst>
+          </p:cNvPr>
+          <p:cNvSpPr>
+            <a:spLocks noGrp="1"/>
+          </p:cNvSpPr>
+          <p:nvPr>
+            <p:ph type="title"/>
+          </p:nvPr>
+        </p:nvSpPr>
+        <p:spPr>
+          <a:xfrm>
+            <a:off x="913775" y="618518"/>
+            <a:ext cx="10364451" cy="448284"/>
+          </a:xfrm>
+        </p:spPr>
+        <p:txBody>
+          <a:bodyPr>
+            <a:normAutofit fontScale="90000"/>
+          </a:bodyPr>
+          <a:lstStyle/>
+          <a:p>
+            <a:r>
+              <a:rPr lang="en-IN" dirty="0"/>
+              <a:t>SIGMOID FUNCTION</a:t>
+            </a:r>
+          </a:p>
+        </p:txBody>
+      </p:sp>
+      <p:sp>
+        <p:nvSpPr>
+          <p:cNvPr id="3" name="Content Placeholder 2">
+            <a:extLst>
+              <a:ext uri="{FF2B5EF4-FFF2-40B4-BE49-F238E27FC236}">
+                <a16:creationId xmlns:a16="http://schemas.microsoft.com/office/drawing/2014/main" id="{FEE8C7CD-E3DA-49E4-8457-8413F3C03C17}"/>
+              </a:ext>
+            </a:extLst>
+          </p:cNvPr>
+          <p:cNvSpPr>
+            <a:spLocks noGrp="1"/>
+          </p:cNvSpPr>
+          <p:nvPr>
+            <p:ph sz="quarter" idx="13"/>
+          </p:nvPr>
+        </p:nvSpPr>
+        <p:spPr>
+          <a:xfrm>
+            <a:off x="914399" y="1236792"/>
+            <a:ext cx="10363826" cy="3424107"/>
+          </a:xfrm>
+        </p:spPr>
+        <p:txBody>
+          <a:bodyPr/>
+          <a:lstStyle/>
+          <a:p>
+            <a:endParaRPr lang="en-IN" dirty="0"/>
+          </a:p>
+        </p:txBody>
+      </p:sp>
+    </p:spTree>
+    <p:extLst>
+      <p:ext uri="{BB962C8B-B14F-4D97-AF65-F5344CB8AC3E}">
+        <p14:creationId xmlns:p14="http://schemas.microsoft.com/office/powerpoint/2010/main" val="3541536256"/>
       </p:ext>
     </p:extLst>
   </p:cSld>
